--- a/proposal/ppt/SRC_2015.pptx
+++ b/proposal/ppt/SRC_2015.pptx
@@ -9,8 +9,8 @@
     <p:sldId id="257" r:id="rId3"/>
     <p:sldId id="258" r:id="rId4"/>
     <p:sldId id="259" r:id="rId5"/>
-    <p:sldId id="260" r:id="rId6"/>
-    <p:sldId id="261" r:id="rId7"/>
+    <p:sldId id="261" r:id="rId6"/>
+    <p:sldId id="262" r:id="rId7"/>
   </p:sldIdLst>
   <p:sldSz cx="9144000" cy="6858000" type="screen4x3"/>
   <p:notesSz cx="6858000" cy="9144000"/>
@@ -293,7 +293,7 @@
           <a:p>
             <a:fld id="{6A1DAADA-2FCA-7A42-9D1F-654E38F1B5FB}" type="datetimeFigureOut">
               <a:rPr lang="en-US" smtClean="0"/>
-              <a:t>3/18/15</a:t>
+              <a:t>3/20/15</a:t>
             </a:fld>
             <a:endParaRPr lang="en-US"/>
           </a:p>
@@ -463,7 +463,7 @@
           <a:p>
             <a:fld id="{6A1DAADA-2FCA-7A42-9D1F-654E38F1B5FB}" type="datetimeFigureOut">
               <a:rPr lang="en-US" smtClean="0"/>
-              <a:t>3/18/15</a:t>
+              <a:t>3/20/15</a:t>
             </a:fld>
             <a:endParaRPr lang="en-US"/>
           </a:p>
@@ -643,7 +643,7 @@
           <a:p>
             <a:fld id="{6A1DAADA-2FCA-7A42-9D1F-654E38F1B5FB}" type="datetimeFigureOut">
               <a:rPr lang="en-US" smtClean="0"/>
-              <a:t>3/18/15</a:t>
+              <a:t>3/20/15</a:t>
             </a:fld>
             <a:endParaRPr lang="en-US"/>
           </a:p>
@@ -813,7 +813,7 @@
           <a:p>
             <a:fld id="{6A1DAADA-2FCA-7A42-9D1F-654E38F1B5FB}" type="datetimeFigureOut">
               <a:rPr lang="en-US" smtClean="0"/>
-              <a:t>3/18/15</a:t>
+              <a:t>3/20/15</a:t>
             </a:fld>
             <a:endParaRPr lang="en-US"/>
           </a:p>
@@ -1059,7 +1059,7 @@
           <a:p>
             <a:fld id="{6A1DAADA-2FCA-7A42-9D1F-654E38F1B5FB}" type="datetimeFigureOut">
               <a:rPr lang="en-US" smtClean="0"/>
-              <a:t>3/18/15</a:t>
+              <a:t>3/20/15</a:t>
             </a:fld>
             <a:endParaRPr lang="en-US"/>
           </a:p>
@@ -1347,7 +1347,7 @@
           <a:p>
             <a:fld id="{6A1DAADA-2FCA-7A42-9D1F-654E38F1B5FB}" type="datetimeFigureOut">
               <a:rPr lang="en-US" smtClean="0"/>
-              <a:t>3/18/15</a:t>
+              <a:t>3/20/15</a:t>
             </a:fld>
             <a:endParaRPr lang="en-US"/>
           </a:p>
@@ -1769,7 +1769,7 @@
           <a:p>
             <a:fld id="{6A1DAADA-2FCA-7A42-9D1F-654E38F1B5FB}" type="datetimeFigureOut">
               <a:rPr lang="en-US" smtClean="0"/>
-              <a:t>3/18/15</a:t>
+              <a:t>3/20/15</a:t>
             </a:fld>
             <a:endParaRPr lang="en-US"/>
           </a:p>
@@ -1887,7 +1887,7 @@
           <a:p>
             <a:fld id="{6A1DAADA-2FCA-7A42-9D1F-654E38F1B5FB}" type="datetimeFigureOut">
               <a:rPr lang="en-US" smtClean="0"/>
-              <a:t>3/18/15</a:t>
+              <a:t>3/20/15</a:t>
             </a:fld>
             <a:endParaRPr lang="en-US"/>
           </a:p>
@@ -1982,7 +1982,7 @@
           <a:p>
             <a:fld id="{6A1DAADA-2FCA-7A42-9D1F-654E38F1B5FB}" type="datetimeFigureOut">
               <a:rPr lang="en-US" smtClean="0"/>
-              <a:t>3/18/15</a:t>
+              <a:t>3/20/15</a:t>
             </a:fld>
             <a:endParaRPr lang="en-US"/>
           </a:p>
@@ -2259,7 +2259,7 @@
           <a:p>
             <a:fld id="{6A1DAADA-2FCA-7A42-9D1F-654E38F1B5FB}" type="datetimeFigureOut">
               <a:rPr lang="en-US" smtClean="0"/>
-              <a:t>3/18/15</a:t>
+              <a:t>3/20/15</a:t>
             </a:fld>
             <a:endParaRPr lang="en-US"/>
           </a:p>
@@ -2512,7 +2512,7 @@
           <a:p>
             <a:fld id="{6A1DAADA-2FCA-7A42-9D1F-654E38F1B5FB}" type="datetimeFigureOut">
               <a:rPr lang="en-US" smtClean="0"/>
-              <a:t>3/18/15</a:t>
+              <a:t>3/20/15</a:t>
             </a:fld>
             <a:endParaRPr lang="en-US"/>
           </a:p>
@@ -2725,7 +2725,7 @@
           <a:p>
             <a:fld id="{6A1DAADA-2FCA-7A42-9D1F-654E38F1B5FB}" type="datetimeFigureOut">
               <a:rPr lang="en-US" smtClean="0"/>
-              <a:t>3/18/15</a:t>
+              <a:t>3/20/15</a:t>
             </a:fld>
             <a:endParaRPr lang="en-US"/>
           </a:p>
@@ -3117,11 +3117,7 @@
           <a:p>
             <a:r>
               <a:rPr lang="en-US" dirty="0" smtClean="0"/>
-              <a:t>Verification of </a:t>
-            </a:r>
-            <a:r>
-              <a:rPr lang="en-US" dirty="0" smtClean="0"/>
-              <a:t>Task </a:t>
+              <a:t>Verification of Task </a:t>
             </a:r>
             <a:r>
               <a:rPr lang="en-US" dirty="0"/>
@@ -3236,18 +3232,21 @@
             <p:ph idx="1"/>
           </p:nvPr>
         </p:nvSpPr>
-        <p:spPr/>
-        <p:txBody>
-          <a:bodyPr/>
+        <p:spPr>
+          <a:xfrm>
+            <a:off x="457200" y="1600200"/>
+            <a:ext cx="8229600" cy="999691"/>
+          </a:xfrm>
+        </p:spPr>
+        <p:txBody>
+          <a:bodyPr>
+            <a:normAutofit lnSpcReduction="10000"/>
+          </a:bodyPr>
           <a:lstStyle/>
           <a:p>
             <a:r>
               <a:rPr lang="en-US" dirty="0" smtClean="0"/>
-              <a:t>Perform </a:t>
-            </a:r>
-            <a:r>
-              <a:rPr lang="en-US" dirty="0" smtClean="0"/>
-              <a:t>different computations at the same time on same or different data</a:t>
+              <a:t>Perform different computations at the same time on same or different data</a:t>
             </a:r>
             <a:endParaRPr lang="en-US" dirty="0"/>
           </a:p>
@@ -3255,7 +3254,7 @@
       </p:sp>
       <p:pic>
         <p:nvPicPr>
-          <p:cNvPr id="4" name="Picture 3" descr="java-fork-and-join-1.png"/>
+          <p:cNvPr id="6" name="Picture 5" descr="task_parallelism.jpg"/>
           <p:cNvPicPr>
             <a:picLocks noChangeAspect="1"/>
           </p:cNvPicPr>
@@ -3275,8 +3274,8 @@
         </p:blipFill>
         <p:spPr>
           <a:xfrm>
-            <a:off x="2184400" y="2935288"/>
-            <a:ext cx="4752975" cy="3190875"/>
+            <a:off x="2499789" y="2599891"/>
+            <a:ext cx="4144422" cy="4258109"/>
           </a:xfrm>
           <a:prstGeom prst="rect">
             <a:avLst/>
@@ -3337,7 +3336,19 @@
           <a:p>
             <a:r>
               <a:rPr lang="en-US" dirty="0" smtClean="0"/>
-              <a:t>Issues with task Parallelism</a:t>
+              <a:t>Issues </a:t>
+            </a:r>
+            <a:r>
+              <a:rPr lang="en-US" smtClean="0"/>
+              <a:t>with </a:t>
+            </a:r>
+            <a:r>
+              <a:rPr lang="en-US" smtClean="0"/>
+              <a:t>Task </a:t>
+            </a:r>
+            <a:r>
+              <a:rPr lang="en-US" dirty="0" smtClean="0"/>
+              <a:t>Parallelism</a:t>
             </a:r>
             <a:endParaRPr lang="en-US" dirty="0"/>
           </a:p>
@@ -3353,25 +3364,60 @@
             <p:ph idx="1"/>
           </p:nvPr>
         </p:nvSpPr>
-        <p:spPr/>
-        <p:txBody>
-          <a:bodyPr/>
-          <a:lstStyle/>
-          <a:p>
+        <p:spPr>
+          <a:xfrm>
+            <a:off x="457200" y="1600201"/>
+            <a:ext cx="2892425" cy="3733800"/>
+          </a:xfrm>
+        </p:spPr>
+        <p:txBody>
+          <a:bodyPr>
+            <a:normAutofit fontScale="92500" lnSpcReduction="20000"/>
+          </a:bodyPr>
+          <a:lstStyle/>
+          <a:p>
+            <a:r>
+              <a:rPr lang="en-US" b="1" dirty="0" smtClean="0"/>
+              <a:t>Data Race:</a:t>
+            </a:r>
             <a:r>
               <a:rPr lang="en-US" dirty="0" smtClean="0"/>
-              <a:t>Data Race – When two threads try to access a memory location such that one of the accesses is a ‘write’</a:t>
-            </a:r>
-          </a:p>
-          <a:p>
-            <a:r>
-              <a:rPr lang="en-US" dirty="0" smtClean="0"/>
-              <a:t>Non-deterministic behavior – Data races make the output of the program non-deterministic</a:t>
+              <a:t> When two threads try to access a memory location such that one of the accesses is a ‘write’</a:t>
             </a:r>
             <a:endParaRPr lang="en-US" dirty="0"/>
           </a:p>
         </p:txBody>
       </p:sp>
+      <p:pic>
+        <p:nvPicPr>
+          <p:cNvPr id="4" name="Picture 3" descr="McoreAkhterRobertsFig7-1.jpg"/>
+          <p:cNvPicPr>
+            <a:picLocks noChangeAspect="1"/>
+          </p:cNvPicPr>
+          <p:nvPr/>
+        </p:nvPicPr>
+        <p:blipFill>
+          <a:blip r:embed="rId2">
+            <a:extLst>
+              <a:ext uri="{28A0092B-C50C-407E-A947-70E740481C1C}">
+                <a14:useLocalDpi xmlns:a14="http://schemas.microsoft.com/office/drawing/2010/main" val="0"/>
+              </a:ext>
+            </a:extLst>
+          </a:blip>
+          <a:stretch>
+            <a:fillRect/>
+          </a:stretch>
+        </p:blipFill>
+        <p:spPr>
+          <a:xfrm>
+            <a:off x="4867274" y="1600201"/>
+            <a:ext cx="3819526" cy="4700264"/>
+          </a:xfrm>
+          <a:prstGeom prst="rect">
+            <a:avLst/>
+          </a:prstGeom>
+        </p:spPr>
+      </p:pic>
     </p:spTree>
     <p:extLst>
       <p:ext uri="{BB962C8B-B14F-4D97-AF65-F5344CB8AC3E}">
@@ -3393,7 +3439,7 @@
 </file>
 
 <file path=ppt/slides/slide4.xml><?xml version="1.0" encoding="utf-8"?>
-<p:sld xmlns:a="http://schemas.openxmlformats.org/drawingml/2006/main" xmlns:r="http://schemas.openxmlformats.org/officeDocument/2006/relationships" xmlns:p="http://schemas.openxmlformats.org/presentationml/2006/main">
+<p:sld xmlns:a="http://schemas.openxmlformats.org/drawingml/2006/main" xmlns:r="http://schemas.openxmlformats.org/officeDocument/2006/relationships" xmlns:p="http://schemas.openxmlformats.org/presentationml/2006/main" show="0">
   <p:cSld>
     <p:spTree>
       <p:nvGrpSpPr>
@@ -3426,11 +3472,7 @@
           <a:p>
             <a:r>
               <a:rPr lang="en-US" dirty="0" smtClean="0"/>
-              <a:t>D</a:t>
-            </a:r>
-            <a:r>
-              <a:rPr lang="en-US" dirty="0" smtClean="0"/>
-              <a:t>ata Race Detectors</a:t>
+              <a:t>Data Race Detectors</a:t>
             </a:r>
             <a:endParaRPr lang="en-US" dirty="0"/>
           </a:p>
@@ -3455,7 +3497,6 @@
               <a:rPr lang="en-US" dirty="0" smtClean="0"/>
               <a:t>Static </a:t>
             </a:r>
-            <a:endParaRPr lang="en-US" dirty="0" smtClean="0"/>
           </a:p>
           <a:p>
             <a:pPr lvl="1"/>
@@ -3463,7 +3504,6 @@
               <a:rPr lang="en-US" dirty="0" smtClean="0"/>
               <a:t>Excessive false warnings</a:t>
             </a:r>
-            <a:endParaRPr lang="en-US" dirty="0" smtClean="0"/>
           </a:p>
           <a:p>
             <a:r>
@@ -3484,7 +3524,6 @@
               <a:rPr lang="en-US" dirty="0" smtClean="0"/>
               <a:t>Too many thread schedules to consider</a:t>
             </a:r>
-            <a:endParaRPr lang="en-US" dirty="0" smtClean="0"/>
           </a:p>
         </p:txBody>
       </p:sp>
@@ -3498,6 +3537,14 @@
   <p:clrMapOvr>
     <a:masterClrMapping/>
   </p:clrMapOvr>
+  <mc:AlternateContent xmlns:mc="http://schemas.openxmlformats.org/markup-compatibility/2006">
+    <mc:Choice xmlns:p14="http://schemas.microsoft.com/office/powerpoint/2010/main" Requires="p14">
+      <p:transition spd="slow" p14:dur="2000"/>
+    </mc:Choice>
+    <mc:Fallback>
+      <p:transition xmlns:p14="http://schemas.microsoft.com/office/powerpoint/2010/main" spd="slow"/>
+    </mc:Fallback>
+  </mc:AlternateContent>
   <p:timing>
     <p:tnLst>
       <p:par>
@@ -3541,10 +3588,9 @@
           <a:lstStyle/>
           <a:p>
             <a:r>
-              <a:rPr lang="en-US" dirty="0" smtClean="0"/>
+              <a:rPr lang="en-US" dirty="0"/>
               <a:t>Computation graphs</a:t>
             </a:r>
-            <a:endParaRPr lang="en-US" dirty="0"/>
           </a:p>
         </p:txBody>
       </p:sp>
@@ -3558,7 +3604,12 @@
             <p:ph idx="1"/>
           </p:nvPr>
         </p:nvSpPr>
-        <p:spPr/>
+        <p:spPr>
+          <a:xfrm>
+            <a:off x="457200" y="1600201"/>
+            <a:ext cx="8229600" cy="1082674"/>
+          </a:xfrm>
+        </p:spPr>
         <p:txBody>
           <a:bodyPr>
             <a:normAutofit fontScale="85000" lnSpcReduction="10000"/>
@@ -3566,102 +3617,215 @@
           <a:lstStyle/>
           <a:p>
             <a:r>
-              <a:rPr lang="en-US" dirty="0" smtClean="0"/>
+              <a:rPr lang="en-US" dirty="0"/>
               <a:t>Computation graphs represent the execution of the program in the form of directed acyclic graphs</a:t>
             </a:r>
           </a:p>
+        </p:txBody>
+      </p:sp>
+      <p:sp>
+        <p:nvSpPr>
+          <p:cNvPr id="6" name="TextBox 5"/>
+          <p:cNvSpPr txBox="1"/>
+          <p:nvPr/>
+        </p:nvSpPr>
+        <p:spPr>
+          <a:xfrm>
+            <a:off x="714375" y="2809875"/>
+            <a:ext cx="3857625" cy="3693319"/>
+          </a:xfrm>
+          <a:prstGeom prst="rect">
+            <a:avLst/>
+          </a:prstGeom>
+          <a:noFill/>
+        </p:spPr>
+        <p:txBody>
+          <a:bodyPr wrap="square" rtlCol="0">
+            <a:spAutoFit/>
+          </a:bodyPr>
+          <a:lstStyle/>
           <a:p>
             <a:r>
               <a:rPr lang="en-US" dirty="0"/>
-              <a:t>Specifically, a Computation Graph (CG) consists of:</a:t>
-            </a:r>
-          </a:p>
-          <a:p>
-            <a:pPr lvl="1"/>
+              <a:t>Public class Example1{</a:t>
+            </a:r>
+          </a:p>
+          <a:p>
             <a:r>
               <a:rPr lang="en-US" dirty="0"/>
-              <a:t>A set of nodes, where each node represents a step consisting of an arbitrary sequential computation. </a:t>
-            </a:r>
-          </a:p>
-          <a:p>
-            <a:pPr lvl="1"/>
+              <a:t>	Public static void Main(String[] </a:t>
+            </a:r>
+            <a:r>
+              <a:rPr lang="en-US" dirty="0" err="1"/>
+              <a:t>args</a:t>
+            </a:r>
             <a:r>
               <a:rPr lang="en-US" dirty="0"/>
-              <a:t>A set of directed edges that represent ordering </a:t>
-            </a:r>
-            <a:r>
-              <a:rPr lang="en-US" dirty="0" smtClean="0"/>
-              <a:t>constraints</a:t>
-            </a:r>
+              <a:t>)</a:t>
+            </a:r>
+          </a:p>
+          <a:p>
             <a:r>
               <a:rPr lang="en-US" dirty="0"/>
-              <a:t>:</a:t>
-            </a:r>
-          </a:p>
-          <a:p>
-            <a:pPr lvl="2"/>
+              <a:t>	{</a:t>
+            </a:r>
+          </a:p>
+          <a:p>
             <a:r>
               <a:rPr lang="en-US" dirty="0"/>
-              <a:t>Continue edges that capture sequencing of steps within a </a:t>
-            </a:r>
-            <a:r>
-              <a:rPr lang="en-US" dirty="0" smtClean="0"/>
-              <a:t>task</a:t>
-            </a:r>
-            <a:endParaRPr lang="en-US" dirty="0"/>
-          </a:p>
-          <a:p>
-            <a:pPr lvl="2"/>
+              <a:t>		finish{</a:t>
+            </a:r>
+          </a:p>
+          <a:p>
             <a:r>
               <a:rPr lang="en-US" dirty="0"/>
-              <a:t>Spawn edges </a:t>
-            </a:r>
-            <a:r>
-              <a:rPr lang="en-US" dirty="0" smtClean="0"/>
-              <a:t>connect </a:t>
+              <a:t>			</a:t>
+            </a:r>
+            <a:r>
+              <a:rPr lang="en-US" dirty="0" err="1"/>
+              <a:t>async</a:t>
             </a:r>
             <a:r>
               <a:rPr lang="en-US" dirty="0"/>
-              <a:t>steps in parent tasks to steps in child </a:t>
-            </a:r>
-            <a:r>
-              <a:rPr lang="en-US" dirty="0" smtClean="0"/>
-              <a:t>tasks</a:t>
-            </a:r>
+              <a:t> { </a:t>
+            </a:r>
+          </a:p>
+          <a:p>
             <a:r>
               <a:rPr lang="en-US" dirty="0"/>
-              <a:t>. </a:t>
-            </a:r>
-          </a:p>
-          <a:p>
-            <a:pPr lvl="2"/>
+              <a:t>				 //Thread1</a:t>
+            </a:r>
+          </a:p>
+          <a:p>
             <a:r>
               <a:rPr lang="en-US" dirty="0"/>
-              <a:t>Join edges </a:t>
-            </a:r>
-            <a:r>
-              <a:rPr lang="en-US" dirty="0" smtClean="0"/>
-              <a:t>connect completed child tasks to their parent tasks</a:t>
-            </a:r>
-          </a:p>
-          <a:p>
-            <a:pPr lvl="2"/>
-            <a:r>
-              <a:rPr lang="en-US" dirty="0" smtClean="0"/>
-              <a:t>Serialization edges connect two isolated </a:t>
-            </a:r>
-            <a:r>
-              <a:rPr lang="en-US" dirty="0" smtClean="0"/>
-              <a:t>nodes</a:t>
-            </a:r>
-            <a:endParaRPr lang="en-US" dirty="0" smtClean="0"/>
+              <a:t>			}</a:t>
+            </a:r>
+          </a:p>
+          <a:p>
+            <a:r>
+              <a:rPr lang="en-US" dirty="0"/>
+              <a:t>			</a:t>
+            </a:r>
+            <a:r>
+              <a:rPr lang="en-US" dirty="0" err="1"/>
+              <a:t>async</a:t>
+            </a:r>
+            <a:r>
+              <a:rPr lang="en-US" dirty="0"/>
+              <a:t> {  </a:t>
+            </a:r>
+          </a:p>
+          <a:p>
+            <a:r>
+              <a:rPr lang="en-US" dirty="0"/>
+              <a:t>				//Thread2</a:t>
+            </a:r>
+          </a:p>
+          <a:p>
+            <a:r>
+              <a:rPr lang="en-US" dirty="0"/>
+              <a:t>			}</a:t>
+            </a:r>
+          </a:p>
+          <a:p>
+            <a:r>
+              <a:rPr lang="en-US" dirty="0"/>
+              <a:t>		}</a:t>
+            </a:r>
+          </a:p>
+          <a:p>
+            <a:r>
+              <a:rPr lang="en-US" dirty="0"/>
+              <a:t>	}</a:t>
+            </a:r>
+          </a:p>
+          <a:p>
+            <a:r>
+              <a:rPr lang="en-US" dirty="0"/>
+              <a:t>}</a:t>
+            </a:r>
+          </a:p>
+        </p:txBody>
+      </p:sp>
+      <p:pic>
+        <p:nvPicPr>
+          <p:cNvPr id="8" name="Picture 7" descr="CG.jpg"/>
+          <p:cNvPicPr>
+            <a:picLocks noChangeAspect="1"/>
+          </p:cNvPicPr>
+          <p:nvPr/>
+        </p:nvPicPr>
+        <p:blipFill>
+          <a:blip r:embed="rId2">
+            <a:extLst>
+              <a:ext uri="{28A0092B-C50C-407E-A947-70E740481C1C}">
+                <a14:useLocalDpi xmlns:a14="http://schemas.microsoft.com/office/drawing/2010/main" val="0"/>
+              </a:ext>
+            </a:extLst>
+          </a:blip>
+          <a:stretch>
+            <a:fillRect/>
+          </a:stretch>
+        </p:blipFill>
+        <p:spPr>
+          <a:xfrm>
+            <a:off x="4953000" y="2476500"/>
+            <a:ext cx="3733800" cy="4108700"/>
+          </a:xfrm>
+          <a:prstGeom prst="rect">
+            <a:avLst/>
+          </a:prstGeom>
+        </p:spPr>
+      </p:pic>
+      <p:sp>
+        <p:nvSpPr>
+          <p:cNvPr id="9" name="Rectangle 8"/>
+          <p:cNvSpPr/>
+          <p:nvPr/>
+        </p:nvSpPr>
+        <p:spPr>
+          <a:xfrm>
+            <a:off x="714375" y="2809875"/>
+            <a:ext cx="3857625" cy="3693319"/>
+          </a:xfrm>
+          <a:prstGeom prst="rect">
+            <a:avLst/>
+          </a:prstGeom>
+          <a:noFill/>
+          <a:ln>
+            <a:solidFill>
+              <a:schemeClr val="tx1"/>
+            </a:solidFill>
+          </a:ln>
+        </p:spPr>
+        <p:style>
+          <a:lnRef idx="2">
+            <a:schemeClr val="accent6"/>
+          </a:lnRef>
+          <a:fillRef idx="1">
+            <a:schemeClr val="lt1"/>
+          </a:fillRef>
+          <a:effectRef idx="0">
+            <a:schemeClr val="accent6"/>
+          </a:effectRef>
+          <a:fontRef idx="minor">
+            <a:schemeClr val="dk1"/>
+          </a:fontRef>
+        </p:style>
+        <p:txBody>
+          <a:bodyPr rtlCol="0" anchor="ctr"/>
+          <a:lstStyle/>
+          <a:p>
+            <a:pPr algn="ctr"/>
+            <a:endParaRPr lang="en-US"/>
           </a:p>
         </p:txBody>
       </p:sp>
     </p:spTree>
     <p:extLst>
       <p:ext uri="{BB962C8B-B14F-4D97-AF65-F5344CB8AC3E}">
-        <p14:creationId xmlns:p14="http://schemas.microsoft.com/office/powerpoint/2010/main" val="1799603312"/>
+        <p14:creationId xmlns:p14="http://schemas.microsoft.com/office/powerpoint/2010/main" val="236412549"/>
       </p:ext>
     </p:extLst>
   </p:cSld>
@@ -3712,7 +3876,7 @@
           <a:p>
             <a:r>
               <a:rPr lang="en-US" dirty="0" smtClean="0"/>
-              <a:t>Computation graphs</a:t>
+              <a:t>Race detector using CG</a:t>
             </a:r>
             <a:endParaRPr lang="en-US" dirty="0"/>
           </a:p>
@@ -3731,178 +3895,58 @@
         <p:spPr>
           <a:xfrm>
             <a:off x="457200" y="1600200"/>
-            <a:ext cx="5703567" cy="4525963"/>
+            <a:ext cx="4083050" cy="4525963"/>
           </a:xfrm>
         </p:spPr>
         <p:txBody>
           <a:bodyPr>
-            <a:normAutofit fontScale="92500" lnSpcReduction="20000"/>
+            <a:normAutofit lnSpcReduction="10000"/>
           </a:bodyPr>
           <a:lstStyle/>
           <a:p>
-            <a:pPr marL="0" indent="0">
-              <a:buNone/>
-            </a:pPr>
-            <a:r>
-              <a:rPr lang="en-US" sz="2800" dirty="0"/>
-              <a:t>Public class Example1{</a:t>
-            </a:r>
-          </a:p>
-          <a:p>
-            <a:pPr marL="0" indent="0">
-              <a:buNone/>
-            </a:pPr>
-            <a:r>
-              <a:rPr lang="en-US" sz="2800" dirty="0"/>
-              <a:t>	Public static void Main(String[] </a:t>
-            </a:r>
-            <a:r>
-              <a:rPr lang="en-US" sz="2800" dirty="0" err="1"/>
-              <a:t>args</a:t>
-            </a:r>
-            <a:r>
-              <a:rPr lang="en-US" sz="2800" dirty="0"/>
-              <a:t>)</a:t>
-            </a:r>
-          </a:p>
-          <a:p>
-            <a:pPr marL="0" indent="0">
-              <a:buNone/>
-            </a:pPr>
-            <a:r>
-              <a:rPr lang="en-US" sz="2800" dirty="0"/>
-              <a:t>	{</a:t>
-            </a:r>
-          </a:p>
-          <a:p>
-            <a:pPr marL="0" indent="0">
-              <a:buNone/>
-            </a:pPr>
-            <a:r>
-              <a:rPr lang="en-US" sz="2800" dirty="0"/>
-              <a:t>		finish(() -&gt; {</a:t>
-            </a:r>
-          </a:p>
-          <a:p>
-            <a:pPr marL="0" indent="0">
-              <a:buNone/>
-            </a:pPr>
-            <a:r>
-              <a:rPr lang="en-US" sz="2800" dirty="0" smtClean="0"/>
-              <a:t>		</a:t>
-            </a:r>
-            <a:r>
-              <a:rPr lang="en-US" sz="2800" dirty="0"/>
-              <a:t>	</a:t>
-            </a:r>
-            <a:r>
-              <a:rPr lang="en-US" sz="2800" dirty="0" err="1"/>
-              <a:t>async</a:t>
-            </a:r>
-            <a:r>
-              <a:rPr lang="en-US" sz="2800" dirty="0"/>
-              <a:t>(() -&gt; </a:t>
-            </a:r>
-            <a:r>
-              <a:rPr lang="en-US" sz="2800" dirty="0" smtClean="0"/>
-              <a:t>{  /</a:t>
-            </a:r>
-            <a:r>
-              <a:rPr lang="en-US" sz="2800" dirty="0"/>
-              <a:t>/Thread1</a:t>
-            </a:r>
-          </a:p>
-          <a:p>
-            <a:pPr marL="0" indent="0">
-              <a:buNone/>
-            </a:pPr>
-            <a:r>
-              <a:rPr lang="en-US" sz="2800" dirty="0" smtClean="0"/>
-              <a:t>			}</a:t>
-            </a:r>
-            <a:r>
-              <a:rPr lang="en-US" sz="2800" dirty="0"/>
-              <a:t>);	</a:t>
-            </a:r>
-          </a:p>
-          <a:p>
-            <a:pPr marL="0" indent="0">
-              <a:buNone/>
-            </a:pPr>
-            <a:r>
-              <a:rPr lang="en-US" sz="2800" dirty="0"/>
-              <a:t>	</a:t>
-            </a:r>
-            <a:r>
-              <a:rPr lang="en-US" sz="2800" dirty="0" smtClean="0"/>
-              <a:t>		</a:t>
-            </a:r>
-            <a:r>
-              <a:rPr lang="en-US" sz="2800" dirty="0" err="1" smtClean="0"/>
-              <a:t>async</a:t>
-            </a:r>
-            <a:r>
-              <a:rPr lang="en-US" sz="2800" dirty="0"/>
-              <a:t>(() -&gt; </a:t>
-            </a:r>
-            <a:r>
-              <a:rPr lang="en-US" sz="2800" smtClean="0"/>
-              <a:t>{  /</a:t>
-            </a:r>
-            <a:r>
-              <a:rPr lang="en-US" sz="2800" dirty="0"/>
-              <a:t>/Thread2</a:t>
-            </a:r>
-          </a:p>
-          <a:p>
-            <a:pPr marL="0" indent="0">
-              <a:buNone/>
-            </a:pPr>
-            <a:r>
-              <a:rPr lang="en-US" sz="2800" dirty="0" smtClean="0"/>
-              <a:t>			}</a:t>
-            </a:r>
-            <a:r>
-              <a:rPr lang="en-US" sz="2800" dirty="0"/>
-              <a:t>);</a:t>
-            </a:r>
-          </a:p>
-          <a:p>
-            <a:pPr marL="0" indent="0">
-              <a:buNone/>
-            </a:pPr>
-            <a:r>
-              <a:rPr lang="en-US" sz="2800" dirty="0" smtClean="0"/>
-              <a:t>		}</a:t>
-            </a:r>
-            <a:r>
-              <a:rPr lang="en-US" sz="2800" dirty="0"/>
-              <a:t>);</a:t>
-            </a:r>
-          </a:p>
-          <a:p>
-            <a:pPr marL="0" indent="0">
-              <a:buNone/>
-            </a:pPr>
-            <a:r>
-              <a:rPr lang="en-US" sz="2800" dirty="0"/>
-              <a:t>	}</a:t>
-            </a:r>
-          </a:p>
-          <a:p>
-            <a:pPr marL="0" indent="0">
-              <a:buNone/>
-            </a:pPr>
-            <a:r>
-              <a:rPr lang="en-US" sz="2800" dirty="0"/>
-              <a:t>}</a:t>
-            </a:r>
+            <a:r>
+              <a:rPr lang="en-US" dirty="0" smtClean="0"/>
+              <a:t>Topologically sort the computation graph</a:t>
+            </a:r>
+          </a:p>
+          <a:p>
+            <a:r>
+              <a:rPr lang="en-US" dirty="0" smtClean="0"/>
+              <a:t>Identify nodes between Enclosing </a:t>
+            </a:r>
+            <a:r>
+              <a:rPr lang="en-US" dirty="0" err="1" smtClean="0"/>
+              <a:t>FinishStart</a:t>
+            </a:r>
+            <a:r>
+              <a:rPr lang="en-US" dirty="0" smtClean="0"/>
+              <a:t> – </a:t>
+            </a:r>
+            <a:r>
+              <a:rPr lang="en-US" dirty="0" err="1" smtClean="0"/>
+              <a:t>FinishEnd</a:t>
+            </a:r>
+            <a:r>
+              <a:rPr lang="en-US" dirty="0" smtClean="0"/>
+              <a:t> pairs</a:t>
+            </a:r>
+          </a:p>
+          <a:p>
+            <a:r>
+              <a:rPr lang="en-US" dirty="0" smtClean="0"/>
+              <a:t>Check conflicting memory accesses in these </a:t>
+            </a:r>
+            <a:r>
+              <a:rPr lang="en-US" sz="3000" dirty="0" smtClean="0"/>
+              <a:t>nodes</a:t>
+            </a:r>
+            <a:endParaRPr lang="en-US" sz="3000" dirty="0"/>
           </a:p>
         </p:txBody>
       </p:sp>
       <p:pic>
         <p:nvPicPr>
-          <p:cNvPr id="6" name="Picture 5" descr="Fig2.jpg"/>
+          <p:cNvPr id="4" name="Picture 3" descr="topological_sort.jpg"/>
           <p:cNvPicPr>
             <a:picLocks noChangeAspect="1"/>
           </p:cNvPicPr>
@@ -3922,8 +3966,8 @@
         </p:blipFill>
         <p:spPr>
           <a:xfrm>
-            <a:off x="5718852" y="1600200"/>
-            <a:ext cx="3425148" cy="4525963"/>
+            <a:off x="5807075" y="1165225"/>
+            <a:ext cx="1993900" cy="5486400"/>
           </a:xfrm>
           <a:prstGeom prst="rect">
             <a:avLst/>
@@ -3933,7 +3977,7 @@
     </p:spTree>
     <p:extLst>
       <p:ext uri="{BB962C8B-B14F-4D97-AF65-F5344CB8AC3E}">
-        <p14:creationId xmlns:p14="http://schemas.microsoft.com/office/powerpoint/2010/main" val="3473429828"/>
+        <p14:creationId xmlns:p14="http://schemas.microsoft.com/office/powerpoint/2010/main" val="1760738186"/>
       </p:ext>
     </p:extLst>
   </p:cSld>
